--- a/отчёты/преза для защиты.pptx
+++ b/отчёты/преза для защиты.pptx
@@ -6,22 +6,24 @@
   </p:sldMasterIdLst>
   <p:sldIdLst>
     <p:sldId id="256" r:id="rId2"/>
-    <p:sldId id="261" r:id="rId3"/>
-    <p:sldId id="262" r:id="rId4"/>
-    <p:sldId id="263" r:id="rId5"/>
-    <p:sldId id="260" r:id="rId6"/>
-    <p:sldId id="259" r:id="rId7"/>
-    <p:sldId id="257" r:id="rId8"/>
-    <p:sldId id="258" r:id="rId9"/>
-    <p:sldId id="265" r:id="rId10"/>
-    <p:sldId id="264" r:id="rId11"/>
-    <p:sldId id="266" r:id="rId12"/>
-    <p:sldId id="267" r:id="rId13"/>
-    <p:sldId id="268" r:id="rId14"/>
-    <p:sldId id="270" r:id="rId15"/>
-    <p:sldId id="271" r:id="rId16"/>
-    <p:sldId id="272" r:id="rId17"/>
-    <p:sldId id="273" r:id="rId18"/>
+    <p:sldId id="274" r:id="rId3"/>
+    <p:sldId id="261" r:id="rId4"/>
+    <p:sldId id="262" r:id="rId5"/>
+    <p:sldId id="263" r:id="rId6"/>
+    <p:sldId id="260" r:id="rId7"/>
+    <p:sldId id="259" r:id="rId8"/>
+    <p:sldId id="257" r:id="rId9"/>
+    <p:sldId id="258" r:id="rId10"/>
+    <p:sldId id="265" r:id="rId11"/>
+    <p:sldId id="264" r:id="rId12"/>
+    <p:sldId id="266" r:id="rId13"/>
+    <p:sldId id="267" r:id="rId14"/>
+    <p:sldId id="268" r:id="rId15"/>
+    <p:sldId id="270" r:id="rId16"/>
+    <p:sldId id="271" r:id="rId17"/>
+    <p:sldId id="272" r:id="rId18"/>
+    <p:sldId id="273" r:id="rId19"/>
+    <p:sldId id="275" r:id="rId20"/>
   </p:sldIdLst>
   <p:sldSz cx="12192000" cy="6858000"/>
   <p:notesSz cx="6858000" cy="9144000"/>
@@ -120,6 +122,11 @@
       </a:defRPr>
     </a:lvl9pPr>
   </p:defaultTextStyle>
+  <p:extLst>
+    <p:ext uri="{EFAFB233-063F-42B5-8137-9DF3F51BA10A}">
+      <p15:sldGuideLst xmlns:p15="http://schemas.microsoft.com/office/powerpoint/2012/main"/>
+    </p:ext>
+  </p:extLst>
 </p:presentation>
 </file>
 
@@ -282,7 +289,7 @@
           <a:p>
             <a:fld id="{2EA617DF-F621-4E59-ABC7-09D18EF82DF1}" type="datetimeFigureOut">
               <a:rPr lang="ru-RU" smtClean="0"/>
-              <a:t>18.12.2025</a:t>
+              <a:t>23.12.2025</a:t>
             </a:fld>
             <a:endParaRPr lang="ru-RU"/>
           </a:p>
@@ -480,7 +487,7 @@
           <a:p>
             <a:fld id="{2EA617DF-F621-4E59-ABC7-09D18EF82DF1}" type="datetimeFigureOut">
               <a:rPr lang="ru-RU" smtClean="0"/>
-              <a:t>18.12.2025</a:t>
+              <a:t>23.12.2025</a:t>
             </a:fld>
             <a:endParaRPr lang="ru-RU"/>
           </a:p>
@@ -688,7 +695,7 @@
           <a:p>
             <a:fld id="{2EA617DF-F621-4E59-ABC7-09D18EF82DF1}" type="datetimeFigureOut">
               <a:rPr lang="ru-RU" smtClean="0"/>
-              <a:t>18.12.2025</a:t>
+              <a:t>23.12.2025</a:t>
             </a:fld>
             <a:endParaRPr lang="ru-RU"/>
           </a:p>
@@ -886,7 +893,7 @@
           <a:p>
             <a:fld id="{2EA617DF-F621-4E59-ABC7-09D18EF82DF1}" type="datetimeFigureOut">
               <a:rPr lang="ru-RU" smtClean="0"/>
-              <a:t>18.12.2025</a:t>
+              <a:t>23.12.2025</a:t>
             </a:fld>
             <a:endParaRPr lang="ru-RU"/>
           </a:p>
@@ -1161,7 +1168,7 @@
           <a:p>
             <a:fld id="{2EA617DF-F621-4E59-ABC7-09D18EF82DF1}" type="datetimeFigureOut">
               <a:rPr lang="ru-RU" smtClean="0"/>
-              <a:t>18.12.2025</a:t>
+              <a:t>23.12.2025</a:t>
             </a:fld>
             <a:endParaRPr lang="ru-RU"/>
           </a:p>
@@ -1426,7 +1433,7 @@
           <a:p>
             <a:fld id="{2EA617DF-F621-4E59-ABC7-09D18EF82DF1}" type="datetimeFigureOut">
               <a:rPr lang="ru-RU" smtClean="0"/>
-              <a:t>18.12.2025</a:t>
+              <a:t>23.12.2025</a:t>
             </a:fld>
             <a:endParaRPr lang="ru-RU"/>
           </a:p>
@@ -1838,7 +1845,7 @@
           <a:p>
             <a:fld id="{2EA617DF-F621-4E59-ABC7-09D18EF82DF1}" type="datetimeFigureOut">
               <a:rPr lang="ru-RU" smtClean="0"/>
-              <a:t>18.12.2025</a:t>
+              <a:t>23.12.2025</a:t>
             </a:fld>
             <a:endParaRPr lang="ru-RU"/>
           </a:p>
@@ -1979,7 +1986,7 @@
           <a:p>
             <a:fld id="{2EA617DF-F621-4E59-ABC7-09D18EF82DF1}" type="datetimeFigureOut">
               <a:rPr lang="ru-RU" smtClean="0"/>
-              <a:t>18.12.2025</a:t>
+              <a:t>23.12.2025</a:t>
             </a:fld>
             <a:endParaRPr lang="ru-RU"/>
           </a:p>
@@ -2092,7 +2099,7 @@
           <a:p>
             <a:fld id="{2EA617DF-F621-4E59-ABC7-09D18EF82DF1}" type="datetimeFigureOut">
               <a:rPr lang="ru-RU" smtClean="0"/>
-              <a:t>18.12.2025</a:t>
+              <a:t>23.12.2025</a:t>
             </a:fld>
             <a:endParaRPr lang="ru-RU"/>
           </a:p>
@@ -2403,7 +2410,7 @@
           <a:p>
             <a:fld id="{2EA617DF-F621-4E59-ABC7-09D18EF82DF1}" type="datetimeFigureOut">
               <a:rPr lang="ru-RU" smtClean="0"/>
-              <a:t>18.12.2025</a:t>
+              <a:t>23.12.2025</a:t>
             </a:fld>
             <a:endParaRPr lang="ru-RU"/>
           </a:p>
@@ -2691,7 +2698,7 @@
           <a:p>
             <a:fld id="{2EA617DF-F621-4E59-ABC7-09D18EF82DF1}" type="datetimeFigureOut">
               <a:rPr lang="ru-RU" smtClean="0"/>
-              <a:t>18.12.2025</a:t>
+              <a:t>23.12.2025</a:t>
             </a:fld>
             <a:endParaRPr lang="ru-RU"/>
           </a:p>
@@ -2932,7 +2939,7 @@
           <a:p>
             <a:fld id="{2EA617DF-F621-4E59-ABC7-09D18EF82DF1}" type="datetimeFigureOut">
               <a:rPr lang="ru-RU" smtClean="0"/>
-              <a:t>18.12.2025</a:t>
+              <a:t>23.12.2025</a:t>
             </a:fld>
             <a:endParaRPr lang="ru-RU"/>
           </a:p>
@@ -3445,6 +3452,355 @@
       </p:grpSpPr>
       <p:sp>
         <p:nvSpPr>
+          <p:cNvPr id="2" name="Заголовок 1">
+            <a:extLst>
+              <a:ext uri="{FF2B5EF4-FFF2-40B4-BE49-F238E27FC236}">
+                <a16:creationId xmlns:a16="http://schemas.microsoft.com/office/drawing/2014/main" id="{9E174C33-F58F-4AAC-835C-32544729E04E}"/>
+              </a:ext>
+            </a:extLst>
+          </p:cNvPr>
+          <p:cNvSpPr>
+            <a:spLocks noGrp="1"/>
+          </p:cNvSpPr>
+          <p:nvPr>
+            <p:ph type="title"/>
+          </p:nvPr>
+        </p:nvSpPr>
+        <p:spPr>
+          <a:xfrm>
+            <a:off x="838200" y="365125"/>
+            <a:ext cx="6315635" cy="1862613"/>
+          </a:xfrm>
+        </p:spPr>
+        <p:txBody>
+          <a:bodyPr>
+            <a:normAutofit/>
+          </a:bodyPr>
+          <a:lstStyle/>
+          <a:p>
+            <a:r>
+              <a:rPr lang="ru-RU" sz="4000" dirty="0"/>
+              <a:t>мягкий направленный оператор кроссинговера</a:t>
+            </a:r>
+          </a:p>
+        </p:txBody>
+      </p:sp>
+      <p:graphicFrame>
+        <p:nvGraphicFramePr>
+          <p:cNvPr id="3" name="Таблица 2">
+            <a:extLst>
+              <a:ext uri="{FF2B5EF4-FFF2-40B4-BE49-F238E27FC236}">
+                <a16:creationId xmlns:a16="http://schemas.microsoft.com/office/drawing/2014/main" id="{C7B91344-6ECC-43B1-A126-76055D58A94B}"/>
+              </a:ext>
+            </a:extLst>
+          </p:cNvPr>
+          <p:cNvGraphicFramePr>
+            <a:graphicFrameLocks noGrp="1"/>
+          </p:cNvGraphicFramePr>
+          <p:nvPr>
+            <p:extLst>
+              <p:ext uri="{D42A27DB-BD31-4B8C-83A1-F6EECF244321}">
+                <p14:modId xmlns:p14="http://schemas.microsoft.com/office/powerpoint/2010/main" val="2769032086"/>
+              </p:ext>
+            </p:extLst>
+          </p:nvPr>
+        </p:nvGraphicFramePr>
+        <p:xfrm>
+          <a:off x="842682" y="2227738"/>
+          <a:ext cx="5257800" cy="1287780"/>
+        </p:xfrm>
+        <a:graphic>
+          <a:graphicData uri="http://schemas.openxmlformats.org/drawingml/2006/table">
+            <a:tbl>
+              <a:tblPr>
+                <a:tableStyleId>{3B4B98B0-60AC-42C2-AFA5-B58CD77FA1E5}</a:tableStyleId>
+              </a:tblPr>
+              <a:tblGrid>
+                <a:gridCol w="1314450">
+                  <a:extLst>
+                    <a:ext uri="{9D8B030D-6E8A-4147-A177-3AD203B41FA5}">
+                      <a16:colId xmlns:a16="http://schemas.microsoft.com/office/drawing/2014/main" val="503526652"/>
+                    </a:ext>
+                  </a:extLst>
+                </a:gridCol>
+                <a:gridCol w="1314450">
+                  <a:extLst>
+                    <a:ext uri="{9D8B030D-6E8A-4147-A177-3AD203B41FA5}">
+                      <a16:colId xmlns:a16="http://schemas.microsoft.com/office/drawing/2014/main" val="1604555213"/>
+                    </a:ext>
+                  </a:extLst>
+                </a:gridCol>
+                <a:gridCol w="1314450">
+                  <a:extLst>
+                    <a:ext uri="{9D8B030D-6E8A-4147-A177-3AD203B41FA5}">
+                      <a16:colId xmlns:a16="http://schemas.microsoft.com/office/drawing/2014/main" val="3236767536"/>
+                    </a:ext>
+                  </a:extLst>
+                </a:gridCol>
+                <a:gridCol w="1314450">
+                  <a:extLst>
+                    <a:ext uri="{9D8B030D-6E8A-4147-A177-3AD203B41FA5}">
+                      <a16:colId xmlns:a16="http://schemas.microsoft.com/office/drawing/2014/main" val="1880647799"/>
+                    </a:ext>
+                  </a:extLst>
+                </a:gridCol>
+              </a:tblGrid>
+              <a:tr h="0">
+                <a:tc>
+                  <a:txBody>
+                    <a:bodyPr/>
+                    <a:lstStyle/>
+                    <a:p>
+                      <a:pPr algn="l"/>
+                      <a:r>
+                        <a:rPr lang="ru-RU" dirty="0">
+                          <a:effectLst/>
+                        </a:rPr>
+                        <a:t>Оператор</a:t>
+                      </a:r>
+                    </a:p>
+                  </a:txBody>
+                  <a:tcPr marL="95250" marR="95250" marT="47625" marB="47625" anchor="ctr">
+                    <a:solidFill>
+                      <a:schemeClr val="accent5">
+                        <a:lumMod val="20000"/>
+                        <a:lumOff val="80000"/>
+                      </a:schemeClr>
+                    </a:solidFill>
+                  </a:tcPr>
+                </a:tc>
+                <a:tc>
+                  <a:txBody>
+                    <a:bodyPr/>
+                    <a:lstStyle/>
+                    <a:p>
+                      <a:pPr algn="r"/>
+                      <a:r>
+                        <a:rPr lang="en-US" dirty="0">
+                          <a:effectLst/>
+                        </a:rPr>
+                        <a:t>Sphere mean</a:t>
+                      </a:r>
+                    </a:p>
+                  </a:txBody>
+                  <a:tcPr marL="95250" marR="95250" marT="47625" marB="47625" anchor="ctr">
+                    <a:solidFill>
+                      <a:schemeClr val="accent5">
+                        <a:lumMod val="20000"/>
+                        <a:lumOff val="80000"/>
+                      </a:schemeClr>
+                    </a:solidFill>
+                  </a:tcPr>
+                </a:tc>
+                <a:tc>
+                  <a:txBody>
+                    <a:bodyPr/>
+                    <a:lstStyle/>
+                    <a:p>
+                      <a:pPr algn="r"/>
+                      <a:r>
+                        <a:rPr lang="en-US" dirty="0" err="1">
+                          <a:effectLst/>
+                        </a:rPr>
+                        <a:t>Rastrigin</a:t>
+                      </a:r>
+                      <a:r>
+                        <a:rPr lang="en-US" dirty="0">
+                          <a:effectLst/>
+                        </a:rPr>
+                        <a:t> mean</a:t>
+                      </a:r>
+                    </a:p>
+                  </a:txBody>
+                  <a:tcPr marL="95250" marR="95250" marT="47625" marB="47625" anchor="ctr">
+                    <a:solidFill>
+                      <a:schemeClr val="accent5">
+                        <a:lumMod val="20000"/>
+                        <a:lumOff val="80000"/>
+                      </a:schemeClr>
+                    </a:solidFill>
+                  </a:tcPr>
+                </a:tc>
+                <a:tc>
+                  <a:txBody>
+                    <a:bodyPr/>
+                    <a:lstStyle/>
+                    <a:p>
+                      <a:pPr algn="r"/>
+                      <a:r>
+                        <a:rPr lang="en-US" dirty="0" err="1">
+                          <a:effectLst/>
+                        </a:rPr>
+                        <a:t>Rosenbrock</a:t>
+                      </a:r>
+                      <a:r>
+                        <a:rPr lang="en-US" dirty="0">
+                          <a:effectLst/>
+                        </a:rPr>
+                        <a:t> mean</a:t>
+                      </a:r>
+                    </a:p>
+                  </a:txBody>
+                  <a:tcPr marL="95250" marR="95250" marT="47625" marB="47625" anchor="ctr">
+                    <a:solidFill>
+                      <a:schemeClr val="accent5">
+                        <a:lumMod val="20000"/>
+                        <a:lumOff val="80000"/>
+                      </a:schemeClr>
+                    </a:solidFill>
+                  </a:tcPr>
+                </a:tc>
+                <a:extLst>
+                  <a:ext uri="{0D108BD9-81ED-4DB2-BD59-A6C34878D82A}">
+                    <a16:rowId xmlns:a16="http://schemas.microsoft.com/office/drawing/2014/main" val="1956725066"/>
+                  </a:ext>
+                </a:extLst>
+              </a:tr>
+              <a:tr h="0">
+                <a:tc>
+                  <a:txBody>
+                    <a:bodyPr/>
+                    <a:lstStyle/>
+                    <a:p>
+                      <a:r>
+                        <a:rPr lang="en-US" b="1">
+                          <a:effectLst/>
+                        </a:rPr>
+                        <a:t>newHeuristic</a:t>
+                      </a:r>
+                      <a:endParaRPr lang="en-US">
+                        <a:effectLst/>
+                      </a:endParaRPr>
+                    </a:p>
+                  </a:txBody>
+                  <a:tcPr marL="95250" marR="95250" marT="47625" marB="47625" anchor="ctr"/>
+                </a:tc>
+                <a:tc>
+                  <a:txBody>
+                    <a:bodyPr/>
+                    <a:lstStyle/>
+                    <a:p>
+                      <a:pPr algn="r"/>
+                      <a:r>
+                        <a:rPr lang="ru-RU" dirty="0">
+                          <a:effectLst/>
+                        </a:rPr>
+                        <a:t>0.002920</a:t>
+                      </a:r>
+                    </a:p>
+                  </a:txBody>
+                  <a:tcPr marL="95250" marR="95250" marT="47625" marB="47625" anchor="ctr"/>
+                </a:tc>
+                <a:tc>
+                  <a:txBody>
+                    <a:bodyPr/>
+                    <a:lstStyle/>
+                    <a:p>
+                      <a:pPr algn="r"/>
+                      <a:r>
+                        <a:rPr lang="ru-RU" dirty="0">
+                          <a:effectLst/>
+                        </a:rPr>
+                        <a:t>17.839791</a:t>
+                      </a:r>
+                    </a:p>
+                  </a:txBody>
+                  <a:tcPr marL="95250" marR="95250" marT="47625" marB="47625" anchor="ctr"/>
+                </a:tc>
+                <a:tc>
+                  <a:txBody>
+                    <a:bodyPr/>
+                    <a:lstStyle/>
+                    <a:p>
+                      <a:pPr algn="r"/>
+                      <a:r>
+                        <a:rPr lang="ru-RU" dirty="0">
+                          <a:effectLst/>
+                        </a:rPr>
+                        <a:t>8.376122</a:t>
+                      </a:r>
+                    </a:p>
+                  </a:txBody>
+                  <a:tcPr marL="95250" marR="95250" marT="47625" marB="47625" anchor="ctr"/>
+                </a:tc>
+                <a:extLst>
+                  <a:ext uri="{0D108BD9-81ED-4DB2-BD59-A6C34878D82A}">
+                    <a16:rowId xmlns:a16="http://schemas.microsoft.com/office/drawing/2014/main" val="3583592395"/>
+                  </a:ext>
+                </a:extLst>
+              </a:tr>
+            </a:tbl>
+          </a:graphicData>
+        </a:graphic>
+      </p:graphicFrame>
+      <p:pic>
+        <p:nvPicPr>
+          <p:cNvPr id="5" name="Рисунок 4">
+            <a:extLst>
+              <a:ext uri="{FF2B5EF4-FFF2-40B4-BE49-F238E27FC236}">
+                <a16:creationId xmlns:a16="http://schemas.microsoft.com/office/drawing/2014/main" id="{C6C7CC31-B021-4EFE-A8FA-1A510B4FB598}"/>
+              </a:ext>
+            </a:extLst>
+          </p:cNvPr>
+          <p:cNvPicPr>
+            <a:picLocks noChangeAspect="1"/>
+          </p:cNvPicPr>
+          <p:nvPr/>
+        </p:nvPicPr>
+        <p:blipFill>
+          <a:blip r:embed="rId2">
+            <a:extLst>
+              <a:ext uri="{28A0092B-C50C-407E-A947-70E740481C1C}">
+                <a14:useLocalDpi xmlns:a14="http://schemas.microsoft.com/office/drawing/2010/main" val="0"/>
+              </a:ext>
+            </a:extLst>
+          </a:blip>
+          <a:stretch>
+            <a:fillRect/>
+          </a:stretch>
+        </p:blipFill>
+        <p:spPr>
+          <a:xfrm>
+            <a:off x="7921592" y="156652"/>
+            <a:ext cx="2665725" cy="6544696"/>
+          </a:xfrm>
+          <a:prstGeom prst="rect">
+            <a:avLst/>
+          </a:prstGeom>
+        </p:spPr>
+      </p:pic>
+    </p:spTree>
+    <p:extLst>
+      <p:ext uri="{BB962C8B-B14F-4D97-AF65-F5344CB8AC3E}">
+        <p14:creationId xmlns:p14="http://schemas.microsoft.com/office/powerpoint/2010/main" val="450923502"/>
+      </p:ext>
+    </p:extLst>
+  </p:cSld>
+  <p:clrMapOvr>
+    <a:masterClrMapping/>
+  </p:clrMapOvr>
+</p:sld>
+</file>
+
+<file path=ppt/slides/slide11.xml><?xml version="1.0" encoding="utf-8"?>
+<p:sld xmlns:a="http://schemas.openxmlformats.org/drawingml/2006/main" xmlns:r="http://schemas.openxmlformats.org/officeDocument/2006/relationships" xmlns:p="http://schemas.openxmlformats.org/presentationml/2006/main">
+  <p:cSld>
+    <p:spTree>
+      <p:nvGrpSpPr>
+        <p:cNvPr id="1" name=""/>
+        <p:cNvGrpSpPr/>
+        <p:nvPr/>
+      </p:nvGrpSpPr>
+      <p:grpSpPr>
+        <a:xfrm>
+          <a:off x="0" y="0"/>
+          <a:ext cx="0" cy="0"/>
+          <a:chOff x="0" y="0"/>
+          <a:chExt cx="0" cy="0"/>
+        </a:xfrm>
+      </p:grpSpPr>
+      <p:sp>
+        <p:nvSpPr>
           <p:cNvPr id="4" name="Заголовок 3">
             <a:extLst>
               <a:ext uri="{FF2B5EF4-FFF2-40B4-BE49-F238E27FC236}">
@@ -3791,7 +4147,7 @@
 </p:sld>
 </file>
 
-<file path=ppt/slides/slide11.xml><?xml version="1.0" encoding="utf-8"?>
+<file path=ppt/slides/slide12.xml><?xml version="1.0" encoding="utf-8"?>
 <p:sld xmlns:a="http://schemas.openxmlformats.org/drawingml/2006/main" xmlns:r="http://schemas.openxmlformats.org/officeDocument/2006/relationships" xmlns:p="http://schemas.openxmlformats.org/presentationml/2006/main">
   <p:cSld>
     <p:spTree>
@@ -4206,7 +4562,7 @@
 </p:sld>
 </file>
 
-<file path=ppt/slides/slide12.xml><?xml version="1.0" encoding="utf-8"?>
+<file path=ppt/slides/slide13.xml><?xml version="1.0" encoding="utf-8"?>
 <p:sld xmlns:a="http://schemas.openxmlformats.org/drawingml/2006/main" xmlns:r="http://schemas.openxmlformats.org/officeDocument/2006/relationships" xmlns:p="http://schemas.openxmlformats.org/presentationml/2006/main">
   <p:cSld>
     <p:spTree>
@@ -4623,7 +4979,7 @@
 </p:sld>
 </file>
 
-<file path=ppt/slides/slide13.xml><?xml version="1.0" encoding="utf-8"?>
+<file path=ppt/slides/slide14.xml><?xml version="1.0" encoding="utf-8"?>
 <p:sld xmlns:a="http://schemas.openxmlformats.org/drawingml/2006/main" xmlns:r="http://schemas.openxmlformats.org/officeDocument/2006/relationships" xmlns:p="http://schemas.openxmlformats.org/presentationml/2006/main">
   <p:cSld>
     <p:spTree>
@@ -5030,7 +5386,7 @@
 </p:sld>
 </file>
 
-<file path=ppt/slides/slide14.xml><?xml version="1.0" encoding="utf-8"?>
+<file path=ppt/slides/slide15.xml><?xml version="1.0" encoding="utf-8"?>
 <p:sld xmlns:a="http://schemas.openxmlformats.org/drawingml/2006/main" xmlns:r="http://schemas.openxmlformats.org/officeDocument/2006/relationships" xmlns:p="http://schemas.openxmlformats.org/presentationml/2006/main">
   <p:cSld>
     <p:spTree>
@@ -5445,7 +5801,7 @@
 </p:sld>
 </file>
 
-<file path=ppt/slides/slide15.xml><?xml version="1.0" encoding="utf-8"?>
+<file path=ppt/slides/slide16.xml><?xml version="1.0" encoding="utf-8"?>
 <p:sld xmlns:a="http://schemas.openxmlformats.org/drawingml/2006/main" xmlns:r="http://schemas.openxmlformats.org/officeDocument/2006/relationships" xmlns:p="http://schemas.openxmlformats.org/presentationml/2006/main">
   <p:cSld>
     <p:spTree>
@@ -5855,7 +6211,7 @@
 </p:sld>
 </file>
 
-<file path=ppt/slides/slide16.xml><?xml version="1.0" encoding="utf-8"?>
+<file path=ppt/slides/slide17.xml><?xml version="1.0" encoding="utf-8"?>
 <p:sld xmlns:a="http://schemas.openxmlformats.org/drawingml/2006/main" xmlns:r="http://schemas.openxmlformats.org/officeDocument/2006/relationships" xmlns:p="http://schemas.openxmlformats.org/presentationml/2006/main">
   <p:cSld>
     <p:spTree>
@@ -6385,7 +6741,7 @@
 </p:sld>
 </file>
 
-<file path=ppt/slides/slide17.xml><?xml version="1.0" encoding="utf-8"?>
+<file path=ppt/slides/slide18.xml><?xml version="1.0" encoding="utf-8"?>
 <p:sld xmlns:a="http://schemas.openxmlformats.org/drawingml/2006/main" xmlns:r="http://schemas.openxmlformats.org/officeDocument/2006/relationships" xmlns:p="http://schemas.openxmlformats.org/presentationml/2006/main">
   <p:cSld>
     <p:spTree>
@@ -9925,7 +10281,183 @@
 </p:sld>
 </file>
 
+<file path=ppt/slides/slide19.xml><?xml version="1.0" encoding="utf-8"?>
+<p:sld xmlns:a="http://schemas.openxmlformats.org/drawingml/2006/main" xmlns:r="http://schemas.openxmlformats.org/officeDocument/2006/relationships" xmlns:p="http://schemas.openxmlformats.org/presentationml/2006/main">
+  <p:cSld>
+    <p:spTree>
+      <p:nvGrpSpPr>
+        <p:cNvPr id="1" name=""/>
+        <p:cNvGrpSpPr/>
+        <p:nvPr/>
+      </p:nvGrpSpPr>
+      <p:grpSpPr>
+        <a:xfrm>
+          <a:off x="0" y="0"/>
+          <a:ext cx="0" cy="0"/>
+          <a:chOff x="0" y="0"/>
+          <a:chExt cx="0" cy="0"/>
+        </a:xfrm>
+      </p:grpSpPr>
+      <p:sp>
+        <p:nvSpPr>
+          <p:cNvPr id="2" name="Заголовок 1">
+            <a:extLst>
+              <a:ext uri="{FF2B5EF4-FFF2-40B4-BE49-F238E27FC236}">
+                <a16:creationId xmlns:a16="http://schemas.microsoft.com/office/drawing/2014/main" id="{B3537AD7-3997-4520-913E-59CD0BF1727A}"/>
+              </a:ext>
+            </a:extLst>
+          </p:cNvPr>
+          <p:cNvSpPr>
+            <a:spLocks noGrp="1"/>
+          </p:cNvSpPr>
+          <p:nvPr>
+            <p:ph type="title"/>
+          </p:nvPr>
+        </p:nvSpPr>
+        <p:spPr/>
+        <p:txBody>
+          <a:bodyPr/>
+          <a:lstStyle/>
+          <a:p>
+            <a:endParaRPr lang="ru-RU"/>
+          </a:p>
+        </p:txBody>
+      </p:sp>
+      <p:pic>
+        <p:nvPicPr>
+          <p:cNvPr id="4" name="Рисунок 3">
+            <a:extLst>
+              <a:ext uri="{FF2B5EF4-FFF2-40B4-BE49-F238E27FC236}">
+                <a16:creationId xmlns:a16="http://schemas.microsoft.com/office/drawing/2014/main" id="{BD316367-E6CC-463C-9BAB-EAFC850EAC14}"/>
+              </a:ext>
+            </a:extLst>
+          </p:cNvPr>
+          <p:cNvPicPr>
+            <a:picLocks noChangeAspect="1"/>
+          </p:cNvPicPr>
+          <p:nvPr/>
+        </p:nvPicPr>
+        <p:blipFill>
+          <a:blip r:embed="rId2"/>
+          <a:stretch>
+            <a:fillRect/>
+          </a:stretch>
+        </p:blipFill>
+        <p:spPr>
+          <a:xfrm>
+            <a:off x="0" y="152400"/>
+            <a:ext cx="12192000" cy="6553200"/>
+          </a:xfrm>
+          <a:prstGeom prst="rect">
+            <a:avLst/>
+          </a:prstGeom>
+        </p:spPr>
+      </p:pic>
+    </p:spTree>
+    <p:extLst>
+      <p:ext uri="{BB962C8B-B14F-4D97-AF65-F5344CB8AC3E}">
+        <p14:creationId xmlns:p14="http://schemas.microsoft.com/office/powerpoint/2010/main" val="115902418"/>
+      </p:ext>
+    </p:extLst>
+  </p:cSld>
+  <p:clrMapOvr>
+    <a:masterClrMapping/>
+  </p:clrMapOvr>
+</p:sld>
+</file>
+
 <file path=ppt/slides/slide2.xml><?xml version="1.0" encoding="utf-8"?>
+<p:sld xmlns:a="http://schemas.openxmlformats.org/drawingml/2006/main" xmlns:r="http://schemas.openxmlformats.org/officeDocument/2006/relationships" xmlns:p="http://schemas.openxmlformats.org/presentationml/2006/main">
+  <p:cSld>
+    <p:spTree>
+      <p:nvGrpSpPr>
+        <p:cNvPr id="1" name=""/>
+        <p:cNvGrpSpPr/>
+        <p:nvPr/>
+      </p:nvGrpSpPr>
+      <p:grpSpPr>
+        <a:xfrm>
+          <a:off x="0" y="0"/>
+          <a:ext cx="0" cy="0"/>
+          <a:chOff x="0" y="0"/>
+          <a:chExt cx="0" cy="0"/>
+        </a:xfrm>
+      </p:grpSpPr>
+      <p:sp>
+        <p:nvSpPr>
+          <p:cNvPr id="2" name="Заголовок 1">
+            <a:extLst>
+              <a:ext uri="{FF2B5EF4-FFF2-40B4-BE49-F238E27FC236}">
+                <a16:creationId xmlns:a16="http://schemas.microsoft.com/office/drawing/2014/main" id="{DBB451CF-BFDB-4F02-BC1F-AC037FC1468B}"/>
+              </a:ext>
+            </a:extLst>
+          </p:cNvPr>
+          <p:cNvSpPr>
+            <a:spLocks noGrp="1"/>
+          </p:cNvSpPr>
+          <p:nvPr>
+            <p:ph type="title"/>
+          </p:nvPr>
+        </p:nvSpPr>
+        <p:spPr/>
+        <p:txBody>
+          <a:bodyPr/>
+          <a:lstStyle/>
+          <a:p>
+            <a:r>
+              <a:rPr lang="ru-RU" dirty="0"/>
+              <a:t>Актуальность</a:t>
+            </a:r>
+          </a:p>
+        </p:txBody>
+      </p:sp>
+      <p:sp>
+        <p:nvSpPr>
+          <p:cNvPr id="3" name="Объект 2">
+            <a:extLst>
+              <a:ext uri="{FF2B5EF4-FFF2-40B4-BE49-F238E27FC236}">
+                <a16:creationId xmlns:a16="http://schemas.microsoft.com/office/drawing/2014/main" id="{57213688-F7C3-4145-AFC8-CC7FB6EB2400}"/>
+              </a:ext>
+            </a:extLst>
+          </p:cNvPr>
+          <p:cNvSpPr>
+            <a:spLocks noGrp="1"/>
+          </p:cNvSpPr>
+          <p:nvPr>
+            <p:ph idx="1"/>
+          </p:nvPr>
+        </p:nvSpPr>
+        <p:spPr/>
+        <p:txBody>
+          <a:bodyPr>
+            <a:normAutofit fontScale="92500"/>
+          </a:bodyPr>
+          <a:lstStyle/>
+          <a:p>
+            <a:pPr marL="0" indent="0">
+              <a:buNone/>
+            </a:pPr>
+            <a:r>
+              <a:rPr lang="ru-RU" dirty="0"/>
+              <a:t>Актуальность работы обусловлена тем, что генетические алгоритмы широко применяются для решения сложных задач оптимизации, а оператор кроссинговера является ключевым механизмом поиска, напрямую влияющим на скорость сходимости, качество найденных решений и устойчивость алгоритма к «застреванию» в локальных минимумах. Разработка нового кроссинговера позволяет потенциально повысить эффективность ГА на практических задачах (улучшить баланс между сохранением удачных фрагментов и разнообразием популяции), а сравнение со стандартными схемами даёт объективную оценку преимуществ и ограничений метода и помогает обосновать, когда его применение действительно оправдано.</a:t>
+            </a:r>
+          </a:p>
+        </p:txBody>
+      </p:sp>
+    </p:spTree>
+    <p:extLst>
+      <p:ext uri="{BB962C8B-B14F-4D97-AF65-F5344CB8AC3E}">
+        <p14:creationId xmlns:p14="http://schemas.microsoft.com/office/powerpoint/2010/main" val="2239735191"/>
+      </p:ext>
+    </p:extLst>
+  </p:cSld>
+  <p:clrMapOvr>
+    <a:masterClrMapping/>
+  </p:clrMapOvr>
+</p:sld>
+</file>
+
+<file path=ppt/slides/slide3.xml><?xml version="1.0" encoding="utf-8"?>
 <p:sld xmlns:a="http://schemas.openxmlformats.org/drawingml/2006/main" xmlns:r="http://schemas.openxmlformats.org/officeDocument/2006/relationships" xmlns:p="http://schemas.openxmlformats.org/presentationml/2006/main">
   <p:cSld>
     <p:spTree>
@@ -9978,8 +10510,8 @@
           </a:p>
         </p:txBody>
       </p:sp>
-      <mc:AlternateContent xmlns:mc="http://schemas.openxmlformats.org/markup-compatibility/2006">
-        <mc:Choice xmlns:a14="http://schemas.microsoft.com/office/drawing/2010/main" Requires="a14">
+      <mc:AlternateContent xmlns:mc="http://schemas.openxmlformats.org/markup-compatibility/2006" xmlns:a14="http://schemas.microsoft.com/office/drawing/2010/main">
+        <mc:Choice Requires="a14">
           <p:sp>
             <p:nvSpPr>
               <p:cNvPr id="3" name="Объект 2">
@@ -10121,7 +10653,7 @@
             </p:txBody>
           </p:sp>
         </mc:Choice>
-        <mc:Fallback>
+        <mc:Fallback xmlns="">
           <p:sp>
             <p:nvSpPr>
               <p:cNvPr id="3" name="Объект 2">
@@ -10212,8 +10744,8 @@
           </a:extLst>
         </p:spPr>
       </p:pic>
-      <mc:AlternateContent xmlns:mc="http://schemas.openxmlformats.org/markup-compatibility/2006">
-        <mc:Choice xmlns:a14="http://schemas.microsoft.com/office/drawing/2010/main" Requires="a14">
+      <mc:AlternateContent xmlns:mc="http://schemas.openxmlformats.org/markup-compatibility/2006" xmlns:a14="http://schemas.microsoft.com/office/drawing/2010/main">
+        <mc:Choice Requires="a14">
           <p:sp>
             <p:nvSpPr>
               <p:cNvPr id="5" name="TextBox 4">
@@ -10381,7 +10913,7 @@
             </p:txBody>
           </p:sp>
         </mc:Choice>
-        <mc:Fallback>
+        <mc:Fallback xmlns="">
           <p:sp>
             <p:nvSpPr>
               <p:cNvPr id="5" name="TextBox 4">
@@ -10439,7 +10971,7 @@
 </p:sld>
 </file>
 
-<file path=ppt/slides/slide3.xml><?xml version="1.0" encoding="utf-8"?>
+<file path=ppt/slides/slide4.xml><?xml version="1.0" encoding="utf-8"?>
 <p:sld xmlns:a="http://schemas.openxmlformats.org/drawingml/2006/main" xmlns:r="http://schemas.openxmlformats.org/officeDocument/2006/relationships" xmlns:p="http://schemas.openxmlformats.org/presentationml/2006/main">
   <p:cSld>
     <p:spTree>
@@ -10500,8 +11032,8 @@
           </a:p>
         </p:txBody>
       </p:sp>
-      <mc:AlternateContent xmlns:mc="http://schemas.openxmlformats.org/markup-compatibility/2006">
-        <mc:Choice xmlns:a14="http://schemas.microsoft.com/office/drawing/2010/main" Requires="a14">
+      <mc:AlternateContent xmlns:mc="http://schemas.openxmlformats.org/markup-compatibility/2006" xmlns:a14="http://schemas.microsoft.com/office/drawing/2010/main">
+        <mc:Choice Requires="a14">
           <p:sp>
             <p:nvSpPr>
               <p:cNvPr id="3" name="Объект 2">
@@ -10772,7 +11304,7 @@
             </p:txBody>
           </p:sp>
         </mc:Choice>
-        <mc:Fallback>
+        <mc:Fallback xmlns="">
           <p:sp>
             <p:nvSpPr>
               <p:cNvPr id="3" name="Объект 2">
@@ -10816,8 +11348,8 @@
           </p:sp>
         </mc:Fallback>
       </mc:AlternateContent>
-      <mc:AlternateContent xmlns:mc="http://schemas.openxmlformats.org/markup-compatibility/2006">
-        <mc:Choice xmlns:a14="http://schemas.microsoft.com/office/drawing/2010/main" Requires="a14">
+      <mc:AlternateContent xmlns:mc="http://schemas.openxmlformats.org/markup-compatibility/2006" xmlns:a14="http://schemas.microsoft.com/office/drawing/2010/main">
+        <mc:Choice Requires="a14">
           <p:sp>
             <p:nvSpPr>
               <p:cNvPr id="5" name="TextBox 4">
@@ -10922,7 +11454,7 @@
             </p:txBody>
           </p:sp>
         </mc:Choice>
-        <mc:Fallback>
+        <mc:Fallback xmlns="">
           <p:sp>
             <p:nvSpPr>
               <p:cNvPr id="5" name="TextBox 4">
@@ -11027,7 +11559,7 @@
 </p:sld>
 </file>
 
-<file path=ppt/slides/slide4.xml><?xml version="1.0" encoding="utf-8"?>
+<file path=ppt/slides/slide5.xml><?xml version="1.0" encoding="utf-8"?>
 <p:sld xmlns:a="http://schemas.openxmlformats.org/drawingml/2006/main" xmlns:r="http://schemas.openxmlformats.org/officeDocument/2006/relationships" xmlns:p="http://schemas.openxmlformats.org/presentationml/2006/main">
   <p:cSld>
     <p:spTree>
@@ -11073,8 +11605,8 @@
           </a:p>
         </p:txBody>
       </p:sp>
-      <mc:AlternateContent xmlns:mc="http://schemas.openxmlformats.org/markup-compatibility/2006">
-        <mc:Choice xmlns:a14="http://schemas.microsoft.com/office/drawing/2010/main" Requires="a14">
+      <mc:AlternateContent xmlns:mc="http://schemas.openxmlformats.org/markup-compatibility/2006" xmlns:a14="http://schemas.microsoft.com/office/drawing/2010/main">
+        <mc:Choice Requires="a14">
           <p:sp>
             <p:nvSpPr>
               <p:cNvPr id="3" name="Объект 2">
@@ -11373,7 +11905,7 @@
             </p:txBody>
           </p:sp>
         </mc:Choice>
-        <mc:Fallback>
+        <mc:Fallback xmlns="">
           <p:sp>
             <p:nvSpPr>
               <p:cNvPr id="3" name="Объект 2">
@@ -11464,8 +11996,8 @@
           </a:extLst>
         </p:spPr>
       </p:pic>
-      <mc:AlternateContent xmlns:mc="http://schemas.openxmlformats.org/markup-compatibility/2006">
-        <mc:Choice xmlns:a14="http://schemas.microsoft.com/office/drawing/2010/main" Requires="a14">
+      <mc:AlternateContent xmlns:mc="http://schemas.openxmlformats.org/markup-compatibility/2006" xmlns:a14="http://schemas.microsoft.com/office/drawing/2010/main">
+        <mc:Choice Requires="a14">
           <p:sp>
             <p:nvSpPr>
               <p:cNvPr id="7" name="TextBox 6">
@@ -11698,7 +12230,7 @@
             </p:txBody>
           </p:sp>
         </mc:Choice>
-        <mc:Fallback>
+        <mc:Fallback xmlns="">
           <p:sp>
             <p:nvSpPr>
               <p:cNvPr id="7" name="TextBox 6">
@@ -11756,7 +12288,7 @@
 </p:sld>
 </file>
 
-<file path=ppt/slides/slide5.xml><?xml version="1.0" encoding="utf-8"?>
+<file path=ppt/slides/slide6.xml><?xml version="1.0" encoding="utf-8"?>
 <p:sld xmlns:a="http://schemas.openxmlformats.org/drawingml/2006/main" xmlns:r="http://schemas.openxmlformats.org/officeDocument/2006/relationships" xmlns:p="http://schemas.openxmlformats.org/presentationml/2006/main">
   <p:cSld>
     <p:spTree>
@@ -11883,7 +12415,7 @@
 </p:sld>
 </file>
 
-<file path=ppt/slides/slide6.xml><?xml version="1.0" encoding="utf-8"?>
+<file path=ppt/slides/slide7.xml><?xml version="1.0" encoding="utf-8"?>
 <p:sld xmlns:a="http://schemas.openxmlformats.org/drawingml/2006/main" xmlns:r="http://schemas.openxmlformats.org/officeDocument/2006/relationships" xmlns:p="http://schemas.openxmlformats.org/presentationml/2006/main">
   <p:cSld>
     <p:spTree>
@@ -12052,7 +12584,7 @@
 </p:sld>
 </file>
 
-<file path=ppt/slides/slide7.xml><?xml version="1.0" encoding="utf-8"?>
+<file path=ppt/slides/slide8.xml><?xml version="1.0" encoding="utf-8"?>
 <p:sld xmlns:a="http://schemas.openxmlformats.org/drawingml/2006/main" xmlns:r="http://schemas.openxmlformats.org/officeDocument/2006/relationships" xmlns:p="http://schemas.openxmlformats.org/presentationml/2006/main">
   <p:cSld>
     <p:spTree>
@@ -12225,7 +12757,7 @@
 </p:sld>
 </file>
 
-<file path=ppt/slides/slide8.xml><?xml version="1.0" encoding="utf-8"?>
+<file path=ppt/slides/slide9.xml><?xml version="1.0" encoding="utf-8"?>
 <p:sld xmlns:a="http://schemas.openxmlformats.org/drawingml/2006/main" xmlns:r="http://schemas.openxmlformats.org/officeDocument/2006/relationships" xmlns:p="http://schemas.openxmlformats.org/presentationml/2006/main">
   <p:cSld>
     <p:spTree>
@@ -13004,355 +13536,6 @@
     <p:extLst>
       <p:ext uri="{BB962C8B-B14F-4D97-AF65-F5344CB8AC3E}">
         <p14:creationId xmlns:p14="http://schemas.microsoft.com/office/powerpoint/2010/main" val="2676255069"/>
-      </p:ext>
-    </p:extLst>
-  </p:cSld>
-  <p:clrMapOvr>
-    <a:masterClrMapping/>
-  </p:clrMapOvr>
-</p:sld>
-</file>
-
-<file path=ppt/slides/slide9.xml><?xml version="1.0" encoding="utf-8"?>
-<p:sld xmlns:a="http://schemas.openxmlformats.org/drawingml/2006/main" xmlns:r="http://schemas.openxmlformats.org/officeDocument/2006/relationships" xmlns:p="http://schemas.openxmlformats.org/presentationml/2006/main">
-  <p:cSld>
-    <p:spTree>
-      <p:nvGrpSpPr>
-        <p:cNvPr id="1" name=""/>
-        <p:cNvGrpSpPr/>
-        <p:nvPr/>
-      </p:nvGrpSpPr>
-      <p:grpSpPr>
-        <a:xfrm>
-          <a:off x="0" y="0"/>
-          <a:ext cx="0" cy="0"/>
-          <a:chOff x="0" y="0"/>
-          <a:chExt cx="0" cy="0"/>
-        </a:xfrm>
-      </p:grpSpPr>
-      <p:sp>
-        <p:nvSpPr>
-          <p:cNvPr id="2" name="Заголовок 1">
-            <a:extLst>
-              <a:ext uri="{FF2B5EF4-FFF2-40B4-BE49-F238E27FC236}">
-                <a16:creationId xmlns:a16="http://schemas.microsoft.com/office/drawing/2014/main" id="{9E174C33-F58F-4AAC-835C-32544729E04E}"/>
-              </a:ext>
-            </a:extLst>
-          </p:cNvPr>
-          <p:cNvSpPr>
-            <a:spLocks noGrp="1"/>
-          </p:cNvSpPr>
-          <p:nvPr>
-            <p:ph type="title"/>
-          </p:nvPr>
-        </p:nvSpPr>
-        <p:spPr>
-          <a:xfrm>
-            <a:off x="838200" y="365125"/>
-            <a:ext cx="6315635" cy="1862613"/>
-          </a:xfrm>
-        </p:spPr>
-        <p:txBody>
-          <a:bodyPr>
-            <a:normAutofit/>
-          </a:bodyPr>
-          <a:lstStyle/>
-          <a:p>
-            <a:r>
-              <a:rPr lang="ru-RU" sz="4000" dirty="0"/>
-              <a:t>мягкий направленный оператор кроссинговера</a:t>
-            </a:r>
-          </a:p>
-        </p:txBody>
-      </p:sp>
-      <p:graphicFrame>
-        <p:nvGraphicFramePr>
-          <p:cNvPr id="3" name="Таблица 2">
-            <a:extLst>
-              <a:ext uri="{FF2B5EF4-FFF2-40B4-BE49-F238E27FC236}">
-                <a16:creationId xmlns:a16="http://schemas.microsoft.com/office/drawing/2014/main" id="{C7B91344-6ECC-43B1-A126-76055D58A94B}"/>
-              </a:ext>
-            </a:extLst>
-          </p:cNvPr>
-          <p:cNvGraphicFramePr>
-            <a:graphicFrameLocks noGrp="1"/>
-          </p:cNvGraphicFramePr>
-          <p:nvPr>
-            <p:extLst>
-              <p:ext uri="{D42A27DB-BD31-4B8C-83A1-F6EECF244321}">
-                <p14:modId xmlns:p14="http://schemas.microsoft.com/office/powerpoint/2010/main" val="2769032086"/>
-              </p:ext>
-            </p:extLst>
-          </p:nvPr>
-        </p:nvGraphicFramePr>
-        <p:xfrm>
-          <a:off x="842682" y="2227738"/>
-          <a:ext cx="5257800" cy="1287780"/>
-        </p:xfrm>
-        <a:graphic>
-          <a:graphicData uri="http://schemas.openxmlformats.org/drawingml/2006/table">
-            <a:tbl>
-              <a:tblPr>
-                <a:tableStyleId>{3B4B98B0-60AC-42C2-AFA5-B58CD77FA1E5}</a:tableStyleId>
-              </a:tblPr>
-              <a:tblGrid>
-                <a:gridCol w="1314450">
-                  <a:extLst>
-                    <a:ext uri="{9D8B030D-6E8A-4147-A177-3AD203B41FA5}">
-                      <a16:colId xmlns:a16="http://schemas.microsoft.com/office/drawing/2014/main" val="503526652"/>
-                    </a:ext>
-                  </a:extLst>
-                </a:gridCol>
-                <a:gridCol w="1314450">
-                  <a:extLst>
-                    <a:ext uri="{9D8B030D-6E8A-4147-A177-3AD203B41FA5}">
-                      <a16:colId xmlns:a16="http://schemas.microsoft.com/office/drawing/2014/main" val="1604555213"/>
-                    </a:ext>
-                  </a:extLst>
-                </a:gridCol>
-                <a:gridCol w="1314450">
-                  <a:extLst>
-                    <a:ext uri="{9D8B030D-6E8A-4147-A177-3AD203B41FA5}">
-                      <a16:colId xmlns:a16="http://schemas.microsoft.com/office/drawing/2014/main" val="3236767536"/>
-                    </a:ext>
-                  </a:extLst>
-                </a:gridCol>
-                <a:gridCol w="1314450">
-                  <a:extLst>
-                    <a:ext uri="{9D8B030D-6E8A-4147-A177-3AD203B41FA5}">
-                      <a16:colId xmlns:a16="http://schemas.microsoft.com/office/drawing/2014/main" val="1880647799"/>
-                    </a:ext>
-                  </a:extLst>
-                </a:gridCol>
-              </a:tblGrid>
-              <a:tr h="0">
-                <a:tc>
-                  <a:txBody>
-                    <a:bodyPr/>
-                    <a:lstStyle/>
-                    <a:p>
-                      <a:pPr algn="l"/>
-                      <a:r>
-                        <a:rPr lang="ru-RU" dirty="0">
-                          <a:effectLst/>
-                        </a:rPr>
-                        <a:t>Оператор</a:t>
-                      </a:r>
-                    </a:p>
-                  </a:txBody>
-                  <a:tcPr marL="95250" marR="95250" marT="47625" marB="47625" anchor="ctr">
-                    <a:solidFill>
-                      <a:schemeClr val="accent5">
-                        <a:lumMod val="20000"/>
-                        <a:lumOff val="80000"/>
-                      </a:schemeClr>
-                    </a:solidFill>
-                  </a:tcPr>
-                </a:tc>
-                <a:tc>
-                  <a:txBody>
-                    <a:bodyPr/>
-                    <a:lstStyle/>
-                    <a:p>
-                      <a:pPr algn="r"/>
-                      <a:r>
-                        <a:rPr lang="en-US" dirty="0">
-                          <a:effectLst/>
-                        </a:rPr>
-                        <a:t>Sphere mean</a:t>
-                      </a:r>
-                    </a:p>
-                  </a:txBody>
-                  <a:tcPr marL="95250" marR="95250" marT="47625" marB="47625" anchor="ctr">
-                    <a:solidFill>
-                      <a:schemeClr val="accent5">
-                        <a:lumMod val="20000"/>
-                        <a:lumOff val="80000"/>
-                      </a:schemeClr>
-                    </a:solidFill>
-                  </a:tcPr>
-                </a:tc>
-                <a:tc>
-                  <a:txBody>
-                    <a:bodyPr/>
-                    <a:lstStyle/>
-                    <a:p>
-                      <a:pPr algn="r"/>
-                      <a:r>
-                        <a:rPr lang="en-US" dirty="0" err="1">
-                          <a:effectLst/>
-                        </a:rPr>
-                        <a:t>Rastrigin</a:t>
-                      </a:r>
-                      <a:r>
-                        <a:rPr lang="en-US" dirty="0">
-                          <a:effectLst/>
-                        </a:rPr>
-                        <a:t> mean</a:t>
-                      </a:r>
-                    </a:p>
-                  </a:txBody>
-                  <a:tcPr marL="95250" marR="95250" marT="47625" marB="47625" anchor="ctr">
-                    <a:solidFill>
-                      <a:schemeClr val="accent5">
-                        <a:lumMod val="20000"/>
-                        <a:lumOff val="80000"/>
-                      </a:schemeClr>
-                    </a:solidFill>
-                  </a:tcPr>
-                </a:tc>
-                <a:tc>
-                  <a:txBody>
-                    <a:bodyPr/>
-                    <a:lstStyle/>
-                    <a:p>
-                      <a:pPr algn="r"/>
-                      <a:r>
-                        <a:rPr lang="en-US" dirty="0" err="1">
-                          <a:effectLst/>
-                        </a:rPr>
-                        <a:t>Rosenbrock</a:t>
-                      </a:r>
-                      <a:r>
-                        <a:rPr lang="en-US" dirty="0">
-                          <a:effectLst/>
-                        </a:rPr>
-                        <a:t> mean</a:t>
-                      </a:r>
-                    </a:p>
-                  </a:txBody>
-                  <a:tcPr marL="95250" marR="95250" marT="47625" marB="47625" anchor="ctr">
-                    <a:solidFill>
-                      <a:schemeClr val="accent5">
-                        <a:lumMod val="20000"/>
-                        <a:lumOff val="80000"/>
-                      </a:schemeClr>
-                    </a:solidFill>
-                  </a:tcPr>
-                </a:tc>
-                <a:extLst>
-                  <a:ext uri="{0D108BD9-81ED-4DB2-BD59-A6C34878D82A}">
-                    <a16:rowId xmlns:a16="http://schemas.microsoft.com/office/drawing/2014/main" val="1956725066"/>
-                  </a:ext>
-                </a:extLst>
-              </a:tr>
-              <a:tr h="0">
-                <a:tc>
-                  <a:txBody>
-                    <a:bodyPr/>
-                    <a:lstStyle/>
-                    <a:p>
-                      <a:r>
-                        <a:rPr lang="en-US" b="1">
-                          <a:effectLst/>
-                        </a:rPr>
-                        <a:t>newHeuristic</a:t>
-                      </a:r>
-                      <a:endParaRPr lang="en-US">
-                        <a:effectLst/>
-                      </a:endParaRPr>
-                    </a:p>
-                  </a:txBody>
-                  <a:tcPr marL="95250" marR="95250" marT="47625" marB="47625" anchor="ctr"/>
-                </a:tc>
-                <a:tc>
-                  <a:txBody>
-                    <a:bodyPr/>
-                    <a:lstStyle/>
-                    <a:p>
-                      <a:pPr algn="r"/>
-                      <a:r>
-                        <a:rPr lang="ru-RU" dirty="0">
-                          <a:effectLst/>
-                        </a:rPr>
-                        <a:t>0.002920</a:t>
-                      </a:r>
-                    </a:p>
-                  </a:txBody>
-                  <a:tcPr marL="95250" marR="95250" marT="47625" marB="47625" anchor="ctr"/>
-                </a:tc>
-                <a:tc>
-                  <a:txBody>
-                    <a:bodyPr/>
-                    <a:lstStyle/>
-                    <a:p>
-                      <a:pPr algn="r"/>
-                      <a:r>
-                        <a:rPr lang="ru-RU" dirty="0">
-                          <a:effectLst/>
-                        </a:rPr>
-                        <a:t>17.839791</a:t>
-                      </a:r>
-                    </a:p>
-                  </a:txBody>
-                  <a:tcPr marL="95250" marR="95250" marT="47625" marB="47625" anchor="ctr"/>
-                </a:tc>
-                <a:tc>
-                  <a:txBody>
-                    <a:bodyPr/>
-                    <a:lstStyle/>
-                    <a:p>
-                      <a:pPr algn="r"/>
-                      <a:r>
-                        <a:rPr lang="ru-RU" dirty="0">
-                          <a:effectLst/>
-                        </a:rPr>
-                        <a:t>8.376122</a:t>
-                      </a:r>
-                    </a:p>
-                  </a:txBody>
-                  <a:tcPr marL="95250" marR="95250" marT="47625" marB="47625" anchor="ctr"/>
-                </a:tc>
-                <a:extLst>
-                  <a:ext uri="{0D108BD9-81ED-4DB2-BD59-A6C34878D82A}">
-                    <a16:rowId xmlns:a16="http://schemas.microsoft.com/office/drawing/2014/main" val="3583592395"/>
-                  </a:ext>
-                </a:extLst>
-              </a:tr>
-            </a:tbl>
-          </a:graphicData>
-        </a:graphic>
-      </p:graphicFrame>
-      <p:pic>
-        <p:nvPicPr>
-          <p:cNvPr id="5" name="Рисунок 4">
-            <a:extLst>
-              <a:ext uri="{FF2B5EF4-FFF2-40B4-BE49-F238E27FC236}">
-                <a16:creationId xmlns:a16="http://schemas.microsoft.com/office/drawing/2014/main" id="{C6C7CC31-B021-4EFE-A8FA-1A510B4FB598}"/>
-              </a:ext>
-            </a:extLst>
-          </p:cNvPr>
-          <p:cNvPicPr>
-            <a:picLocks noChangeAspect="1"/>
-          </p:cNvPicPr>
-          <p:nvPr/>
-        </p:nvPicPr>
-        <p:blipFill>
-          <a:blip r:embed="rId2">
-            <a:extLst>
-              <a:ext uri="{28A0092B-C50C-407E-A947-70E740481C1C}">
-                <a14:useLocalDpi xmlns:a14="http://schemas.microsoft.com/office/drawing/2010/main" val="0"/>
-              </a:ext>
-            </a:extLst>
-          </a:blip>
-          <a:stretch>
-            <a:fillRect/>
-          </a:stretch>
-        </p:blipFill>
-        <p:spPr>
-          <a:xfrm>
-            <a:off x="7921592" y="156652"/>
-            <a:ext cx="2665725" cy="6544696"/>
-          </a:xfrm>
-          <a:prstGeom prst="rect">
-            <a:avLst/>
-          </a:prstGeom>
-        </p:spPr>
-      </p:pic>
-    </p:spTree>
-    <p:extLst>
-      <p:ext uri="{BB962C8B-B14F-4D97-AF65-F5344CB8AC3E}">
-        <p14:creationId xmlns:p14="http://schemas.microsoft.com/office/powerpoint/2010/main" val="450923502"/>
       </p:ext>
     </p:extLst>
   </p:cSld>
